--- a/발표자료/1차발표.pptx
+++ b/발표자료/1차발표.pptx
@@ -207,7 +207,7 @@
           <a:p>
             <a:fld id="{8BD13FF7-B191-444F-9256-DD61670ABDD6}" type="datetimeFigureOut">
               <a:rPr lang="ko-KR" altLang="en-US" smtClean="0"/>
-              <a:t>2023-10-16</a:t>
+              <a:t>2023-11-01</a:t>
             </a:fld>
             <a:endParaRPr lang="ko-KR" altLang="en-US"/>
           </a:p>
@@ -1125,7 +1125,7 @@
           <a:p>
             <a:fld id="{3F61C0CD-768F-4111-8120-6CF84E203322}" type="datetimeFigureOut">
               <a:rPr lang="ko-KR" altLang="en-US" smtClean="0"/>
-              <a:t>2023-10-16</a:t>
+              <a:t>2023-11-01</a:t>
             </a:fld>
             <a:endParaRPr lang="ko-KR" altLang="en-US"/>
           </a:p>
@@ -1323,7 +1323,7 @@
           <a:p>
             <a:fld id="{3F61C0CD-768F-4111-8120-6CF84E203322}" type="datetimeFigureOut">
               <a:rPr lang="ko-KR" altLang="en-US" smtClean="0"/>
-              <a:t>2023-10-16</a:t>
+              <a:t>2023-11-01</a:t>
             </a:fld>
             <a:endParaRPr lang="ko-KR" altLang="en-US"/>
           </a:p>
@@ -1531,7 +1531,7 @@
           <a:p>
             <a:fld id="{3F61C0CD-768F-4111-8120-6CF84E203322}" type="datetimeFigureOut">
               <a:rPr lang="ko-KR" altLang="en-US" smtClean="0"/>
-              <a:t>2023-10-16</a:t>
+              <a:t>2023-11-01</a:t>
             </a:fld>
             <a:endParaRPr lang="ko-KR" altLang="en-US"/>
           </a:p>
@@ -1729,7 +1729,7 @@
           <a:p>
             <a:fld id="{3F61C0CD-768F-4111-8120-6CF84E203322}" type="datetimeFigureOut">
               <a:rPr lang="ko-KR" altLang="en-US" smtClean="0"/>
-              <a:t>2023-10-16</a:t>
+              <a:t>2023-11-01</a:t>
             </a:fld>
             <a:endParaRPr lang="ko-KR" altLang="en-US"/>
           </a:p>
@@ -2004,7 +2004,7 @@
           <a:p>
             <a:fld id="{3F61C0CD-768F-4111-8120-6CF84E203322}" type="datetimeFigureOut">
               <a:rPr lang="ko-KR" altLang="en-US" smtClean="0"/>
-              <a:t>2023-10-16</a:t>
+              <a:t>2023-11-01</a:t>
             </a:fld>
             <a:endParaRPr lang="ko-KR" altLang="en-US"/>
           </a:p>
@@ -2269,7 +2269,7 @@
           <a:p>
             <a:fld id="{3F61C0CD-768F-4111-8120-6CF84E203322}" type="datetimeFigureOut">
               <a:rPr lang="ko-KR" altLang="en-US" smtClean="0"/>
-              <a:t>2023-10-16</a:t>
+              <a:t>2023-11-01</a:t>
             </a:fld>
             <a:endParaRPr lang="ko-KR" altLang="en-US"/>
           </a:p>
@@ -2681,7 +2681,7 @@
           <a:p>
             <a:fld id="{3F61C0CD-768F-4111-8120-6CF84E203322}" type="datetimeFigureOut">
               <a:rPr lang="ko-KR" altLang="en-US" smtClean="0"/>
-              <a:t>2023-10-16</a:t>
+              <a:t>2023-11-01</a:t>
             </a:fld>
             <a:endParaRPr lang="ko-KR" altLang="en-US"/>
           </a:p>
@@ -2822,7 +2822,7 @@
           <a:p>
             <a:fld id="{3F61C0CD-768F-4111-8120-6CF84E203322}" type="datetimeFigureOut">
               <a:rPr lang="ko-KR" altLang="en-US" smtClean="0"/>
-              <a:t>2023-10-16</a:t>
+              <a:t>2023-11-01</a:t>
             </a:fld>
             <a:endParaRPr lang="ko-KR" altLang="en-US"/>
           </a:p>
@@ -2935,7 +2935,7 @@
           <a:p>
             <a:fld id="{3F61C0CD-768F-4111-8120-6CF84E203322}" type="datetimeFigureOut">
               <a:rPr lang="ko-KR" altLang="en-US" smtClean="0"/>
-              <a:t>2023-10-16</a:t>
+              <a:t>2023-11-01</a:t>
             </a:fld>
             <a:endParaRPr lang="ko-KR" altLang="en-US"/>
           </a:p>
@@ -3246,7 +3246,7 @@
           <a:p>
             <a:fld id="{3F61C0CD-768F-4111-8120-6CF84E203322}" type="datetimeFigureOut">
               <a:rPr lang="ko-KR" altLang="en-US" smtClean="0"/>
-              <a:t>2023-10-16</a:t>
+              <a:t>2023-11-01</a:t>
             </a:fld>
             <a:endParaRPr lang="ko-KR" altLang="en-US"/>
           </a:p>
@@ -3534,7 +3534,7 @@
           <a:p>
             <a:fld id="{3F61C0CD-768F-4111-8120-6CF84E203322}" type="datetimeFigureOut">
               <a:rPr lang="ko-KR" altLang="en-US" smtClean="0"/>
-              <a:t>2023-10-16</a:t>
+              <a:t>2023-11-01</a:t>
             </a:fld>
             <a:endParaRPr lang="ko-KR" altLang="en-US"/>
           </a:p>
@@ -3775,7 +3775,7 @@
           <a:p>
             <a:fld id="{3F61C0CD-768F-4111-8120-6CF84E203322}" type="datetimeFigureOut">
               <a:rPr lang="ko-KR" altLang="en-US" smtClean="0"/>
-              <a:t>2023-10-16</a:t>
+              <a:t>2023-11-01</a:t>
             </a:fld>
             <a:endParaRPr lang="ko-KR" altLang="en-US"/>
           </a:p>

--- a/발표자료/1차발표.pptx
+++ b/발표자료/1차발표.pptx
@@ -207,7 +207,7 @@
           <a:p>
             <a:fld id="{8BD13FF7-B191-444F-9256-DD61670ABDD6}" type="datetimeFigureOut">
               <a:rPr lang="ko-KR" altLang="en-US" smtClean="0"/>
-              <a:t>2023-11-01</a:t>
+              <a:t>2023-11-10</a:t>
             </a:fld>
             <a:endParaRPr lang="ko-KR" altLang="en-US"/>
           </a:p>
@@ -1125,7 +1125,7 @@
           <a:p>
             <a:fld id="{3F61C0CD-768F-4111-8120-6CF84E203322}" type="datetimeFigureOut">
               <a:rPr lang="ko-KR" altLang="en-US" smtClean="0"/>
-              <a:t>2023-11-01</a:t>
+              <a:t>2023-11-10</a:t>
             </a:fld>
             <a:endParaRPr lang="ko-KR" altLang="en-US"/>
           </a:p>
@@ -1323,7 +1323,7 @@
           <a:p>
             <a:fld id="{3F61C0CD-768F-4111-8120-6CF84E203322}" type="datetimeFigureOut">
               <a:rPr lang="ko-KR" altLang="en-US" smtClean="0"/>
-              <a:t>2023-11-01</a:t>
+              <a:t>2023-11-10</a:t>
             </a:fld>
             <a:endParaRPr lang="ko-KR" altLang="en-US"/>
           </a:p>
@@ -1531,7 +1531,7 @@
           <a:p>
             <a:fld id="{3F61C0CD-768F-4111-8120-6CF84E203322}" type="datetimeFigureOut">
               <a:rPr lang="ko-KR" altLang="en-US" smtClean="0"/>
-              <a:t>2023-11-01</a:t>
+              <a:t>2023-11-10</a:t>
             </a:fld>
             <a:endParaRPr lang="ko-KR" altLang="en-US"/>
           </a:p>
@@ -1729,7 +1729,7 @@
           <a:p>
             <a:fld id="{3F61C0CD-768F-4111-8120-6CF84E203322}" type="datetimeFigureOut">
               <a:rPr lang="ko-KR" altLang="en-US" smtClean="0"/>
-              <a:t>2023-11-01</a:t>
+              <a:t>2023-11-10</a:t>
             </a:fld>
             <a:endParaRPr lang="ko-KR" altLang="en-US"/>
           </a:p>
@@ -2004,7 +2004,7 @@
           <a:p>
             <a:fld id="{3F61C0CD-768F-4111-8120-6CF84E203322}" type="datetimeFigureOut">
               <a:rPr lang="ko-KR" altLang="en-US" smtClean="0"/>
-              <a:t>2023-11-01</a:t>
+              <a:t>2023-11-10</a:t>
             </a:fld>
             <a:endParaRPr lang="ko-KR" altLang="en-US"/>
           </a:p>
@@ -2269,7 +2269,7 @@
           <a:p>
             <a:fld id="{3F61C0CD-768F-4111-8120-6CF84E203322}" type="datetimeFigureOut">
               <a:rPr lang="ko-KR" altLang="en-US" smtClean="0"/>
-              <a:t>2023-11-01</a:t>
+              <a:t>2023-11-10</a:t>
             </a:fld>
             <a:endParaRPr lang="ko-KR" altLang="en-US"/>
           </a:p>
@@ -2681,7 +2681,7 @@
           <a:p>
             <a:fld id="{3F61C0CD-768F-4111-8120-6CF84E203322}" type="datetimeFigureOut">
               <a:rPr lang="ko-KR" altLang="en-US" smtClean="0"/>
-              <a:t>2023-11-01</a:t>
+              <a:t>2023-11-10</a:t>
             </a:fld>
             <a:endParaRPr lang="ko-KR" altLang="en-US"/>
           </a:p>
@@ -2822,7 +2822,7 @@
           <a:p>
             <a:fld id="{3F61C0CD-768F-4111-8120-6CF84E203322}" type="datetimeFigureOut">
               <a:rPr lang="ko-KR" altLang="en-US" smtClean="0"/>
-              <a:t>2023-11-01</a:t>
+              <a:t>2023-11-10</a:t>
             </a:fld>
             <a:endParaRPr lang="ko-KR" altLang="en-US"/>
           </a:p>
@@ -2935,7 +2935,7 @@
           <a:p>
             <a:fld id="{3F61C0CD-768F-4111-8120-6CF84E203322}" type="datetimeFigureOut">
               <a:rPr lang="ko-KR" altLang="en-US" smtClean="0"/>
-              <a:t>2023-11-01</a:t>
+              <a:t>2023-11-10</a:t>
             </a:fld>
             <a:endParaRPr lang="ko-KR" altLang="en-US"/>
           </a:p>
@@ -3246,7 +3246,7 @@
           <a:p>
             <a:fld id="{3F61C0CD-768F-4111-8120-6CF84E203322}" type="datetimeFigureOut">
               <a:rPr lang="ko-KR" altLang="en-US" smtClean="0"/>
-              <a:t>2023-11-01</a:t>
+              <a:t>2023-11-10</a:t>
             </a:fld>
             <a:endParaRPr lang="ko-KR" altLang="en-US"/>
           </a:p>
@@ -3534,7 +3534,7 @@
           <a:p>
             <a:fld id="{3F61C0CD-768F-4111-8120-6CF84E203322}" type="datetimeFigureOut">
               <a:rPr lang="ko-KR" altLang="en-US" smtClean="0"/>
-              <a:t>2023-11-01</a:t>
+              <a:t>2023-11-10</a:t>
             </a:fld>
             <a:endParaRPr lang="ko-KR" altLang="en-US"/>
           </a:p>
@@ -3775,7 +3775,7 @@
           <a:p>
             <a:fld id="{3F61C0CD-768F-4111-8120-6CF84E203322}" type="datetimeFigureOut">
               <a:rPr lang="ko-KR" altLang="en-US" smtClean="0"/>
-              <a:t>2023-11-01</a:t>
+              <a:t>2023-11-10</a:t>
             </a:fld>
             <a:endParaRPr lang="ko-KR" altLang="en-US"/>
           </a:p>
